--- a/docs/songs/my redeemer lives.pptx
+++ b/docs/songs/my redeemer lives.pptx
@@ -5,7 +5,7 @@
     <p:sldMasterId id="2147483648" r:id="rId1"/>
   </p:sldMasterIdLst>
   <p:sldIdLst>
-    <p:sldId id="460" r:id="rId2"/>
+    <p:sldId id="1251" r:id="rId2"/>
     <p:sldId id="461" r:id="rId3"/>
     <p:sldId id="462" r:id="rId4"/>
     <p:sldId id="463" r:id="rId5"/>
@@ -309,7 +309,7 @@
             <a:fld id="{26EA1CF3-4A15-4CBF-9A5A-6A56C368BE71}" type="datetimeFigureOut">
               <a:rPr lang="en-GB" smtClean="0"/>
               <a:pPr/>
-              <a:t>11/10/2022</a:t>
+              <a:t>23/09/2024</a:t>
             </a:fld>
             <a:endParaRPr lang="en-GB"/>
           </a:p>
@@ -476,7 +476,7 @@
             <a:fld id="{26EA1CF3-4A15-4CBF-9A5A-6A56C368BE71}" type="datetimeFigureOut">
               <a:rPr lang="en-GB" smtClean="0"/>
               <a:pPr/>
-              <a:t>11/10/2022</a:t>
+              <a:t>23/09/2024</a:t>
             </a:fld>
             <a:endParaRPr lang="en-GB"/>
           </a:p>
@@ -653,7 +653,7 @@
             <a:fld id="{26EA1CF3-4A15-4CBF-9A5A-6A56C368BE71}" type="datetimeFigureOut">
               <a:rPr lang="en-GB" smtClean="0"/>
               <a:pPr/>
-              <a:t>11/10/2022</a:t>
+              <a:t>23/09/2024</a:t>
             </a:fld>
             <a:endParaRPr lang="en-GB"/>
           </a:p>
@@ -820,7 +820,7 @@
             <a:fld id="{26EA1CF3-4A15-4CBF-9A5A-6A56C368BE71}" type="datetimeFigureOut">
               <a:rPr lang="en-GB" smtClean="0"/>
               <a:pPr/>
-              <a:t>11/10/2022</a:t>
+              <a:t>23/09/2024</a:t>
             </a:fld>
             <a:endParaRPr lang="en-GB"/>
           </a:p>
@@ -1063,7 +1063,7 @@
             <a:fld id="{26EA1CF3-4A15-4CBF-9A5A-6A56C368BE71}" type="datetimeFigureOut">
               <a:rPr lang="en-GB" smtClean="0"/>
               <a:pPr/>
-              <a:t>11/10/2022</a:t>
+              <a:t>23/09/2024</a:t>
             </a:fld>
             <a:endParaRPr lang="en-GB"/>
           </a:p>
@@ -1348,7 +1348,7 @@
             <a:fld id="{26EA1CF3-4A15-4CBF-9A5A-6A56C368BE71}" type="datetimeFigureOut">
               <a:rPr lang="en-GB" smtClean="0"/>
               <a:pPr/>
-              <a:t>11/10/2022</a:t>
+              <a:t>23/09/2024</a:t>
             </a:fld>
             <a:endParaRPr lang="en-GB"/>
           </a:p>
@@ -1767,7 +1767,7 @@
             <a:fld id="{26EA1CF3-4A15-4CBF-9A5A-6A56C368BE71}" type="datetimeFigureOut">
               <a:rPr lang="en-GB" smtClean="0"/>
               <a:pPr/>
-              <a:t>11/10/2022</a:t>
+              <a:t>23/09/2024</a:t>
             </a:fld>
             <a:endParaRPr lang="en-GB"/>
           </a:p>
@@ -1882,7 +1882,7 @@
             <a:fld id="{26EA1CF3-4A15-4CBF-9A5A-6A56C368BE71}" type="datetimeFigureOut">
               <a:rPr lang="en-GB" smtClean="0"/>
               <a:pPr/>
-              <a:t>11/10/2022</a:t>
+              <a:t>23/09/2024</a:t>
             </a:fld>
             <a:endParaRPr lang="en-GB"/>
           </a:p>
@@ -1974,7 +1974,7 @@
             <a:fld id="{26EA1CF3-4A15-4CBF-9A5A-6A56C368BE71}" type="datetimeFigureOut">
               <a:rPr lang="en-GB" smtClean="0"/>
               <a:pPr/>
-              <a:t>11/10/2022</a:t>
+              <a:t>23/09/2024</a:t>
             </a:fld>
             <a:endParaRPr lang="en-GB"/>
           </a:p>
@@ -2248,7 +2248,7 @@
             <a:fld id="{26EA1CF3-4A15-4CBF-9A5A-6A56C368BE71}" type="datetimeFigureOut">
               <a:rPr lang="en-GB" smtClean="0"/>
               <a:pPr/>
-              <a:t>11/10/2022</a:t>
+              <a:t>23/09/2024</a:t>
             </a:fld>
             <a:endParaRPr lang="en-GB"/>
           </a:p>
@@ -2498,7 +2498,7 @@
             <a:fld id="{26EA1CF3-4A15-4CBF-9A5A-6A56C368BE71}" type="datetimeFigureOut">
               <a:rPr lang="en-GB" smtClean="0"/>
               <a:pPr/>
-              <a:t>11/10/2022</a:t>
+              <a:t>23/09/2024</a:t>
             </a:fld>
             <a:endParaRPr lang="en-GB"/>
           </a:p>
@@ -2711,7 +2711,7 @@
             <a:fld id="{26EA1CF3-4A15-4CBF-9A5A-6A56C368BE71}" type="datetimeFigureOut">
               <a:rPr lang="en-GB" smtClean="0"/>
               <a:pPr/>
-              <a:t>11/10/2022</a:t>
+              <a:t>23/09/2024</a:t>
             </a:fld>
             <a:endParaRPr lang="en-GB"/>
           </a:p>
@@ -3296,7 +3296,7 @@
         </p:nvSpPr>
         <p:spPr>
           <a:xfrm>
-            <a:off x="323528" y="188640"/>
+            <a:off x="203118" y="692696"/>
             <a:ext cx="8640960" cy="6480720"/>
           </a:xfrm>
         </p:spPr>
@@ -3307,7 +3307,7 @@
           <a:lstStyle/>
           <a:p>
             <a:r>
-              <a:rPr lang="en-GB" sz="4400" i="0" dirty="0">
+              <a:rPr lang="en-GB" sz="3600" i="0" dirty="0">
                 <a:solidFill>
                   <a:schemeClr val="bg1"/>
                 </a:solidFill>
@@ -3317,7 +3317,7 @@
               <a:t>I know He rescued my soul</a:t>
             </a:r>
             <a:br>
-              <a:rPr lang="en-GB" sz="4400" i="0" dirty="0">
+              <a:rPr lang="en-GB" sz="3600" i="0" dirty="0">
                 <a:solidFill>
                   <a:schemeClr val="bg1"/>
                 </a:solidFill>
@@ -3326,7 +3326,7 @@
               </a:rPr>
             </a:br>
             <a:r>
-              <a:rPr lang="en-GB" sz="4400" i="0" dirty="0">
+              <a:rPr lang="en-GB" sz="3600" i="0" dirty="0">
                 <a:solidFill>
                   <a:schemeClr val="bg1"/>
                 </a:solidFill>
@@ -3336,7 +3336,7 @@
               <a:t>His blood has covered my sin</a:t>
             </a:r>
             <a:br>
-              <a:rPr lang="en-GB" sz="4400" i="0" dirty="0">
+              <a:rPr lang="en-GB" sz="3600" i="0" dirty="0">
                 <a:solidFill>
                   <a:schemeClr val="bg1"/>
                 </a:solidFill>
@@ -3345,7 +3345,7 @@
               </a:rPr>
             </a:br>
             <a:r>
-              <a:rPr lang="en-GB" sz="4400" i="0" dirty="0">
+              <a:rPr lang="en-GB" sz="3600" i="0" dirty="0">
                 <a:solidFill>
                   <a:schemeClr val="bg1"/>
                 </a:solidFill>
@@ -3355,7 +3355,7 @@
               <a:t>I believe I believe</a:t>
             </a:r>
             <a:br>
-              <a:rPr lang="en-GB" sz="4400" i="0" dirty="0">
+              <a:rPr lang="en-GB" sz="3600" i="0" dirty="0">
                 <a:solidFill>
                   <a:schemeClr val="bg1"/>
                 </a:solidFill>
@@ -3364,7 +3364,7 @@
               </a:rPr>
             </a:br>
             <a:r>
-              <a:rPr lang="en-GB" sz="4400" i="0" dirty="0">
+              <a:rPr lang="en-GB" sz="3600" i="0" dirty="0">
                 <a:solidFill>
                   <a:schemeClr val="bg1"/>
                 </a:solidFill>
@@ -3374,7 +3374,7 @@
               <a:t>My shame He's taken away</a:t>
             </a:r>
             <a:br>
-              <a:rPr lang="en-GB" sz="4400" i="0" dirty="0">
+              <a:rPr lang="en-GB" sz="3600" i="0" dirty="0">
                 <a:solidFill>
                   <a:schemeClr val="bg1"/>
                 </a:solidFill>
@@ -3383,7 +3383,7 @@
               </a:rPr>
             </a:br>
             <a:r>
-              <a:rPr lang="en-GB" sz="4400" i="0" dirty="0">
+              <a:rPr lang="en-GB" sz="3600" i="0" dirty="0">
                 <a:solidFill>
                   <a:schemeClr val="bg1"/>
                 </a:solidFill>
@@ -3393,7 +3393,7 @@
               <a:t>My pain is healed in His name</a:t>
             </a:r>
             <a:br>
-              <a:rPr lang="en-GB" sz="4400" i="0" dirty="0">
+              <a:rPr lang="en-GB" sz="3600" i="0" dirty="0">
                 <a:solidFill>
                   <a:schemeClr val="bg1"/>
                 </a:solidFill>
@@ -3402,7 +3402,7 @@
               </a:rPr>
             </a:br>
             <a:r>
-              <a:rPr lang="en-GB" sz="4400" i="0" dirty="0">
+              <a:rPr lang="en-GB" sz="3600" i="0" dirty="0">
                 <a:solidFill>
                   <a:schemeClr val="bg1"/>
                 </a:solidFill>
@@ -3414,7 +3414,7 @@
           </a:p>
           <a:p>
             <a:r>
-              <a:rPr lang="en-GB" sz="4400" i="0" dirty="0">
+              <a:rPr lang="en-GB" sz="3600" i="0" dirty="0">
                 <a:solidFill>
                   <a:schemeClr val="bg1"/>
                 </a:solidFill>
@@ -3424,7 +3424,7 @@
               <a:t>I'll raise a banner</a:t>
             </a:r>
             <a:br>
-              <a:rPr lang="en-GB" sz="4400" i="0" dirty="0">
+              <a:rPr lang="en-GB" sz="3600" i="0" dirty="0">
                 <a:solidFill>
                   <a:schemeClr val="bg1"/>
                 </a:solidFill>
@@ -3433,7 +3433,7 @@
               </a:rPr>
             </a:br>
             <a:r>
-              <a:rPr lang="en-GB" sz="4400" i="0" dirty="0" err="1">
+              <a:rPr lang="en-GB" sz="3600" i="0" dirty="0" err="1">
                 <a:solidFill>
                   <a:schemeClr val="bg1"/>
                 </a:solidFill>
@@ -3443,7 +3443,7 @@
               <a:t>'Cause</a:t>
             </a:r>
             <a:r>
-              <a:rPr lang="en-GB" sz="4400" i="0" dirty="0">
+              <a:rPr lang="en-GB" sz="3600" i="0" dirty="0">
                 <a:solidFill>
                   <a:schemeClr val="bg1"/>
                 </a:solidFill>
@@ -3530,7 +3530,7 @@
         </p:nvSpPr>
         <p:spPr>
           <a:xfrm>
-            <a:off x="323528" y="188640"/>
+            <a:off x="251520" y="692696"/>
             <a:ext cx="8640960" cy="6480720"/>
           </a:xfrm>
         </p:spPr>
@@ -3541,7 +3541,7 @@
           <a:lstStyle/>
           <a:p>
             <a:r>
-              <a:rPr lang="en-GB" sz="5400" dirty="0">
+              <a:rPr lang="en-GB" sz="3600" dirty="0">
                 <a:solidFill>
                   <a:schemeClr val="bg1"/>
                 </a:solidFill>
@@ -3551,7 +3551,7 @@
           </a:p>
           <a:p>
             <a:r>
-              <a:rPr lang="en-GB" sz="5400" dirty="0">
+              <a:rPr lang="en-GB" sz="3600" dirty="0">
                 <a:solidFill>
                   <a:schemeClr val="bg1"/>
                 </a:solidFill>
@@ -3561,7 +3561,7 @@
           </a:p>
           <a:p>
             <a:r>
-              <a:rPr lang="en-GB" sz="5400" dirty="0">
+              <a:rPr lang="en-GB" sz="3600" dirty="0">
                 <a:solidFill>
                   <a:schemeClr val="bg1"/>
                 </a:solidFill>
@@ -3571,18 +3571,13 @@
           </a:p>
           <a:p>
             <a:r>
-              <a:rPr lang="en-GB" sz="5400" dirty="0">
+              <a:rPr lang="en-GB" sz="3600" dirty="0">
                 <a:solidFill>
                   <a:schemeClr val="bg1"/>
                 </a:solidFill>
               </a:rPr>
               <a:t>My Redeemer lives</a:t>
             </a:r>
-            <a:endParaRPr lang="en-GB" sz="5000" dirty="0">
-              <a:solidFill>
-                <a:schemeClr val="bg1"/>
-              </a:solidFill>
-            </a:endParaRPr>
           </a:p>
         </p:txBody>
       </p:sp>
@@ -3661,7 +3656,7 @@
         </p:nvSpPr>
         <p:spPr>
           <a:xfrm>
-            <a:off x="107504" y="188640"/>
+            <a:off x="-108520" y="836712"/>
             <a:ext cx="8856984" cy="6480720"/>
           </a:xfrm>
         </p:spPr>
@@ -3672,7 +3667,7 @@
           <a:lstStyle/>
           <a:p>
             <a:r>
-              <a:rPr lang="en-GB" sz="5400" dirty="0">
+              <a:rPr lang="en-GB" sz="3600" dirty="0">
                 <a:solidFill>
                   <a:schemeClr val="bg1"/>
                 </a:solidFill>
@@ -3682,7 +3677,7 @@
           </a:p>
           <a:p>
             <a:r>
-              <a:rPr lang="en-GB" sz="5400" dirty="0">
+              <a:rPr lang="en-GB" sz="3600" dirty="0">
                 <a:solidFill>
                   <a:schemeClr val="bg1"/>
                 </a:solidFill>
@@ -3692,7 +3687,7 @@
           </a:p>
           <a:p>
             <a:r>
-              <a:rPr lang="en-GB" sz="5400" dirty="0">
+              <a:rPr lang="en-GB" sz="3600" dirty="0">
                 <a:solidFill>
                   <a:schemeClr val="bg1"/>
                 </a:solidFill>
@@ -3702,18 +3697,13 @@
           </a:p>
           <a:p>
             <a:r>
-              <a:rPr lang="en-GB" sz="5400" dirty="0">
+              <a:rPr lang="en-GB" sz="3600" dirty="0">
                 <a:solidFill>
                   <a:schemeClr val="bg1"/>
                 </a:solidFill>
               </a:rPr>
               <a:t>To see Your kingdom come</a:t>
             </a:r>
-            <a:endParaRPr lang="en-GB" sz="5000" dirty="0">
-              <a:solidFill>
-                <a:schemeClr val="bg1"/>
-              </a:solidFill>
-            </a:endParaRPr>
           </a:p>
         </p:txBody>
       </p:sp>
@@ -3792,7 +3782,7 @@
         </p:nvSpPr>
         <p:spPr>
           <a:xfrm>
-            <a:off x="323528" y="188640"/>
+            <a:off x="203118" y="764704"/>
             <a:ext cx="8640960" cy="6480720"/>
           </a:xfrm>
         </p:spPr>
@@ -3803,7 +3793,7 @@
           <a:lstStyle/>
           <a:p>
             <a:r>
-              <a:rPr lang="en-GB" sz="5400" dirty="0">
+              <a:rPr lang="en-GB" sz="3600" dirty="0">
                 <a:solidFill>
                   <a:schemeClr val="bg1"/>
                 </a:solidFill>
@@ -3813,7 +3803,7 @@
           </a:p>
           <a:p>
             <a:r>
-              <a:rPr lang="en-GB" sz="5400" dirty="0">
+              <a:rPr lang="en-GB" sz="3600" dirty="0">
                 <a:solidFill>
                   <a:schemeClr val="bg1"/>
                 </a:solidFill>
@@ -3823,7 +3813,7 @@
           </a:p>
           <a:p>
             <a:r>
-              <a:rPr lang="en-GB" sz="5400" dirty="0">
+              <a:rPr lang="en-GB" sz="3600" dirty="0">
                 <a:solidFill>
                   <a:schemeClr val="bg1"/>
                 </a:solidFill>
@@ -3833,18 +3823,13 @@
           </a:p>
           <a:p>
             <a:r>
-              <a:rPr lang="en-GB" sz="5400" dirty="0">
+              <a:rPr lang="en-GB" sz="3600" dirty="0">
                 <a:solidFill>
                   <a:schemeClr val="bg1"/>
                 </a:solidFill>
               </a:rPr>
               <a:t>My Redeemer lives</a:t>
             </a:r>
-            <a:endParaRPr lang="en-GB" sz="5000" dirty="0">
-              <a:solidFill>
-                <a:schemeClr val="bg1"/>
-              </a:solidFill>
-            </a:endParaRPr>
           </a:p>
         </p:txBody>
       </p:sp>
